--- a/calendario/documentos/8_Matrices.pptx
+++ b/calendario/documentos/8_Matrices.pptx
@@ -232,7 +232,7 @@
           <a:p>
             <a:fld id="{9CE7A054-6D4F-4ED4-B3E7-62AC408CF793}" type="datetimeFigureOut">
               <a:rPr lang="es-MX" smtClean="0"/>
-              <a:t>03/10/2019</a:t>
+              <a:t>04/10/2019</a:t>
             </a:fld>
             <a:endParaRPr lang="es-MX"/>
           </a:p>
@@ -1269,7 +1269,7 @@
           <a:p>
             <a:fld id="{05B1B184-8162-40A9-BCCC-182276235E4C}" type="datetimeFigureOut">
               <a:rPr lang="es-MX" smtClean="0"/>
-              <a:t>03/10/2019</a:t>
+              <a:t>04/10/2019</a:t>
             </a:fld>
             <a:endParaRPr lang="es-MX"/>
           </a:p>
@@ -1439,7 +1439,7 @@
           <a:p>
             <a:fld id="{05B1B184-8162-40A9-BCCC-182276235E4C}" type="datetimeFigureOut">
               <a:rPr lang="es-MX" smtClean="0"/>
-              <a:t>03/10/2019</a:t>
+              <a:t>04/10/2019</a:t>
             </a:fld>
             <a:endParaRPr lang="es-MX"/>
           </a:p>
@@ -1619,7 +1619,7 @@
           <a:p>
             <a:fld id="{05B1B184-8162-40A9-BCCC-182276235E4C}" type="datetimeFigureOut">
               <a:rPr lang="es-MX" smtClean="0"/>
-              <a:t>03/10/2019</a:t>
+              <a:t>04/10/2019</a:t>
             </a:fld>
             <a:endParaRPr lang="es-MX"/>
           </a:p>
@@ -1789,7 +1789,7 @@
           <a:p>
             <a:fld id="{05B1B184-8162-40A9-BCCC-182276235E4C}" type="datetimeFigureOut">
               <a:rPr lang="es-MX" smtClean="0"/>
-              <a:t>03/10/2019</a:t>
+              <a:t>04/10/2019</a:t>
             </a:fld>
             <a:endParaRPr lang="es-MX"/>
           </a:p>
@@ -2035,7 +2035,7 @@
           <a:p>
             <a:fld id="{05B1B184-8162-40A9-BCCC-182276235E4C}" type="datetimeFigureOut">
               <a:rPr lang="es-MX" smtClean="0"/>
-              <a:t>03/10/2019</a:t>
+              <a:t>04/10/2019</a:t>
             </a:fld>
             <a:endParaRPr lang="es-MX"/>
           </a:p>
@@ -2323,7 +2323,7 @@
           <a:p>
             <a:fld id="{05B1B184-8162-40A9-BCCC-182276235E4C}" type="datetimeFigureOut">
               <a:rPr lang="es-MX" smtClean="0"/>
-              <a:t>03/10/2019</a:t>
+              <a:t>04/10/2019</a:t>
             </a:fld>
             <a:endParaRPr lang="es-MX"/>
           </a:p>
@@ -2745,7 +2745,7 @@
           <a:p>
             <a:fld id="{05B1B184-8162-40A9-BCCC-182276235E4C}" type="datetimeFigureOut">
               <a:rPr lang="es-MX" smtClean="0"/>
-              <a:t>03/10/2019</a:t>
+              <a:t>04/10/2019</a:t>
             </a:fld>
             <a:endParaRPr lang="es-MX"/>
           </a:p>
@@ -2863,7 +2863,7 @@
           <a:p>
             <a:fld id="{05B1B184-8162-40A9-BCCC-182276235E4C}" type="datetimeFigureOut">
               <a:rPr lang="es-MX" smtClean="0"/>
-              <a:t>03/10/2019</a:t>
+              <a:t>04/10/2019</a:t>
             </a:fld>
             <a:endParaRPr lang="es-MX"/>
           </a:p>
@@ -2958,7 +2958,7 @@
           <a:p>
             <a:fld id="{05B1B184-8162-40A9-BCCC-182276235E4C}" type="datetimeFigureOut">
               <a:rPr lang="es-MX" smtClean="0"/>
-              <a:t>03/10/2019</a:t>
+              <a:t>04/10/2019</a:t>
             </a:fld>
             <a:endParaRPr lang="es-MX"/>
           </a:p>
@@ -3235,7 +3235,7 @@
           <a:p>
             <a:fld id="{05B1B184-8162-40A9-BCCC-182276235E4C}" type="datetimeFigureOut">
               <a:rPr lang="es-MX" smtClean="0"/>
-              <a:t>03/10/2019</a:t>
+              <a:t>04/10/2019</a:t>
             </a:fld>
             <a:endParaRPr lang="es-MX"/>
           </a:p>
@@ -3488,7 +3488,7 @@
           <a:p>
             <a:fld id="{05B1B184-8162-40A9-BCCC-182276235E4C}" type="datetimeFigureOut">
               <a:rPr lang="es-MX" smtClean="0"/>
-              <a:t>03/10/2019</a:t>
+              <a:t>04/10/2019</a:t>
             </a:fld>
             <a:endParaRPr lang="es-MX"/>
           </a:p>
@@ -3701,7 +3701,7 @@
           <a:p>
             <a:fld id="{05B1B184-8162-40A9-BCCC-182276235E4C}" type="datetimeFigureOut">
               <a:rPr lang="es-MX" smtClean="0"/>
-              <a:t>03/10/2019</a:t>
+              <a:t>04/10/2019</a:t>
             </a:fld>
             <a:endParaRPr lang="es-MX"/>
           </a:p>
@@ -15328,7 +15328,26 @@
                 <a:latin typeface="Arial" pitchFamily="34" charset="0"/>
                 <a:cs typeface="Arial" pitchFamily="34" charset="0"/>
               </a:rPr>
-              <a:t>Para procesar una matriz bidimensional, normalmente utilizas ciclos anidados. </a:t>
+              <a:t>Para procesar una matriz bidimensional, normalmente utilizas </a:t>
+            </a:r>
+            <a:r>
+              <a:rPr lang="es-MX" sz="2000" b="1" dirty="0">
+                <a:solidFill>
+                  <a:schemeClr val="accent6">
+                    <a:lumMod val="75000"/>
+                  </a:schemeClr>
+                </a:solidFill>
+                <a:latin typeface="Arial" pitchFamily="34" charset="0"/>
+                <a:cs typeface="Arial" pitchFamily="34" charset="0"/>
+              </a:rPr>
+              <a:t>ciclos anidados</a:t>
+            </a:r>
+            <a:r>
+              <a:rPr lang="es-MX" sz="2000" dirty="0">
+                <a:latin typeface="Arial" pitchFamily="34" charset="0"/>
+                <a:cs typeface="Arial" pitchFamily="34" charset="0"/>
+              </a:rPr>
+              <a:t>. </a:t>
             </a:r>
           </a:p>
           <a:p>
@@ -15345,7 +15364,26 @@
                 <a:latin typeface="Arial" pitchFamily="34" charset="0"/>
                 <a:cs typeface="Arial" pitchFamily="34" charset="0"/>
               </a:rPr>
-              <a:t>El primer ciclo itera a través del número de renglón, el segundo ciclo recorre los elementos dentro de un renglón. </a:t>
+              <a:t>El primer ciclo itera a través del </a:t>
+            </a:r>
+            <a:r>
+              <a:rPr lang="es-MX" sz="2000" b="1" dirty="0">
+                <a:solidFill>
+                  <a:schemeClr val="accent6">
+                    <a:lumMod val="75000"/>
+                  </a:schemeClr>
+                </a:solidFill>
+                <a:latin typeface="Arial" pitchFamily="34" charset="0"/>
+                <a:cs typeface="Arial" pitchFamily="34" charset="0"/>
+              </a:rPr>
+              <a:t>número de renglón</a:t>
+            </a:r>
+            <a:r>
+              <a:rPr lang="es-MX" sz="2000" dirty="0">
+                <a:latin typeface="Arial" pitchFamily="34" charset="0"/>
+                <a:cs typeface="Arial" pitchFamily="34" charset="0"/>
+              </a:rPr>
+              <a:t>, el segundo ciclo recorre los elementos dentro de un renglón. </a:t>
             </a:r>
             <a:endParaRPr lang="es-ES_tradnl" sz="2400" dirty="0"/>
           </a:p>
@@ -16378,6 +16416,51 @@
                       </p:childTnLst>
                     </p:cTn>
                   </p:par>
+                  <p:par>
+                    <p:cTn id="9" fill="hold">
+                      <p:stCondLst>
+                        <p:cond delay="indefinite"/>
+                      </p:stCondLst>
+                      <p:childTnLst>
+                        <p:par>
+                          <p:cTn id="10" fill="hold">
+                            <p:stCondLst>
+                              <p:cond delay="0"/>
+                            </p:stCondLst>
+                            <p:childTnLst>
+                              <p:par>
+                                <p:cTn id="11" presetID="1" presetClass="entr" presetSubtype="0" fill="hold" grpId="0" nodeType="clickEffect">
+                                  <p:stCondLst>
+                                    <p:cond delay="0"/>
+                                  </p:stCondLst>
+                                  <p:childTnLst>
+                                    <p:set>
+                                      <p:cBhvr>
+                                        <p:cTn id="12" dur="1" fill="hold">
+                                          <p:stCondLst>
+                                            <p:cond delay="0"/>
+                                          </p:stCondLst>
+                                        </p:cTn>
+                                        <p:tgtEl>
+                                          <p:spTgt spid="2"/>
+                                        </p:tgtEl>
+                                        <p:attrNameLst>
+                                          <p:attrName>style.visibility</p:attrName>
+                                        </p:attrNameLst>
+                                      </p:cBhvr>
+                                      <p:to>
+                                        <p:strVal val="visible"/>
+                                      </p:to>
+                                    </p:set>
+                                  </p:childTnLst>
+                                </p:cTn>
+                              </p:par>
+                            </p:childTnLst>
+                          </p:cTn>
+                        </p:par>
+                      </p:childTnLst>
+                    </p:cTn>
+                  </p:par>
                 </p:childTnLst>
               </p:cTn>
               <p:prevCondLst>
@@ -16400,6 +16483,7 @@
       </p:par>
     </p:tnLst>
     <p:bldLst>
+      <p:bldP spid="2" grpId="0"/>
       <p:bldP spid="8" grpId="0" autoUpdateAnimBg="0"/>
     </p:bldLst>
   </p:timing>
@@ -17673,7 +17757,7 @@
         </p:nvSpPr>
         <p:spPr>
           <a:xfrm>
-            <a:off x="683568" y="681664"/>
+            <a:off x="950831" y="681664"/>
             <a:ext cx="7776864" cy="5007148"/>
           </a:xfrm>
         </p:spPr>
@@ -18742,6 +18826,104 @@
                                         </p:tav>
                                       </p:tavLst>
                                     </p:anim>
+                                  </p:childTnLst>
+                                </p:cTn>
+                              </p:par>
+                            </p:childTnLst>
+                          </p:cTn>
+                        </p:par>
+                      </p:childTnLst>
+                    </p:cTn>
+                  </p:par>
+                  <p:par>
+                    <p:cTn id="27" fill="hold">
+                      <p:stCondLst>
+                        <p:cond delay="indefinite"/>
+                      </p:stCondLst>
+                      <p:childTnLst>
+                        <p:par>
+                          <p:cTn id="28" fill="hold">
+                            <p:stCondLst>
+                              <p:cond delay="0"/>
+                            </p:stCondLst>
+                            <p:childTnLst>
+                              <p:par>
+                                <p:cTn id="29" presetID="1" presetClass="entr" presetSubtype="0" fill="hold" nodeType="clickEffect">
+                                  <p:stCondLst>
+                                    <p:cond delay="0"/>
+                                  </p:stCondLst>
+                                  <p:childTnLst>
+                                    <p:set>
+                                      <p:cBhvr>
+                                        <p:cTn id="30" dur="1" fill="hold">
+                                          <p:stCondLst>
+                                            <p:cond delay="0"/>
+                                          </p:stCondLst>
+                                        </p:cTn>
+                                        <p:tgtEl>
+                                          <p:spTgt spid="232450">
+                                            <p:txEl>
+                                              <p:pRg st="5" end="5"/>
+                                            </p:txEl>
+                                          </p:spTgt>
+                                        </p:tgtEl>
+                                        <p:attrNameLst>
+                                          <p:attrName>style.visibility</p:attrName>
+                                        </p:attrNameLst>
+                                      </p:cBhvr>
+                                      <p:to>
+                                        <p:strVal val="visible"/>
+                                      </p:to>
+                                    </p:set>
+                                  </p:childTnLst>
+                                </p:cTn>
+                              </p:par>
+                            </p:childTnLst>
+                          </p:cTn>
+                        </p:par>
+                      </p:childTnLst>
+                    </p:cTn>
+                  </p:par>
+                  <p:par>
+                    <p:cTn id="31" fill="hold">
+                      <p:stCondLst>
+                        <p:cond delay="indefinite"/>
+                      </p:stCondLst>
+                      <p:childTnLst>
+                        <p:par>
+                          <p:cTn id="32" fill="hold">
+                            <p:stCondLst>
+                              <p:cond delay="0"/>
+                            </p:stCondLst>
+                            <p:childTnLst>
+                              <p:par>
+                                <p:cTn id="33" presetID="1" presetClass="entr" presetSubtype="0" fill="hold" nodeType="clickEffect">
+                                  <p:stCondLst>
+                                    <p:cond delay="0"/>
+                                  </p:stCondLst>
+                                  <p:childTnLst>
+                                    <p:set>
+                                      <p:cBhvr>
+                                        <p:cTn id="34" dur="1" fill="hold">
+                                          <p:stCondLst>
+                                            <p:cond delay="0"/>
+                                          </p:stCondLst>
+                                        </p:cTn>
+                                        <p:tgtEl>
+                                          <p:spTgt spid="232450">
+                                            <p:txEl>
+                                              <p:pRg st="6" end="6"/>
+                                            </p:txEl>
+                                          </p:spTgt>
+                                        </p:tgtEl>
+                                        <p:attrNameLst>
+                                          <p:attrName>style.visibility</p:attrName>
+                                        </p:attrNameLst>
+                                      </p:cBhvr>
+                                      <p:to>
+                                        <p:strVal val="visible"/>
+                                      </p:to>
+                                    </p:set>
                                   </p:childTnLst>
                                 </p:cTn>
                               </p:par>
@@ -22779,6 +22961,86 @@
                       </p:childTnLst>
                     </p:cTn>
                   </p:par>
+                  <p:par>
+                    <p:cTn id="33" fill="hold">
+                      <p:stCondLst>
+                        <p:cond delay="indefinite"/>
+                      </p:stCondLst>
+                      <p:childTnLst>
+                        <p:par>
+                          <p:cTn id="34" fill="hold">
+                            <p:stCondLst>
+                              <p:cond delay="0"/>
+                            </p:stCondLst>
+                            <p:childTnLst>
+                              <p:par>
+                                <p:cTn id="35" presetID="1" presetClass="entr" presetSubtype="0" fill="hold" nodeType="clickEffect">
+                                  <p:stCondLst>
+                                    <p:cond delay="0"/>
+                                  </p:stCondLst>
+                                  <p:childTnLst>
+                                    <p:set>
+                                      <p:cBhvr>
+                                        <p:cTn id="36" dur="1" fill="hold">
+                                          <p:stCondLst>
+                                            <p:cond delay="0"/>
+                                          </p:stCondLst>
+                                        </p:cTn>
+                                        <p:tgtEl>
+                                          <p:spTgt spid="8">
+                                            <p:txEl>
+                                              <p:pRg st="6" end="6"/>
+                                            </p:txEl>
+                                          </p:spTgt>
+                                        </p:tgtEl>
+                                        <p:attrNameLst>
+                                          <p:attrName>style.visibility</p:attrName>
+                                        </p:attrNameLst>
+                                      </p:cBhvr>
+                                      <p:to>
+                                        <p:strVal val="visible"/>
+                                      </p:to>
+                                    </p:set>
+                                  </p:childTnLst>
+                                </p:cTn>
+                              </p:par>
+                              <p:par>
+                                <p:cTn id="37" presetID="1" presetClass="entr" presetSubtype="0" fill="hold" nodeType="withEffect">
+                                  <p:stCondLst>
+                                    <p:cond delay="0"/>
+                                  </p:stCondLst>
+                                  <p:childTnLst>
+                                    <p:set>
+                                      <p:cBhvr>
+                                        <p:cTn id="38" dur="1" fill="hold">
+                                          <p:stCondLst>
+                                            <p:cond delay="0"/>
+                                          </p:stCondLst>
+                                        </p:cTn>
+                                        <p:tgtEl>
+                                          <p:spTgt spid="8">
+                                            <p:txEl>
+                                              <p:pRg st="7" end="7"/>
+                                            </p:txEl>
+                                          </p:spTgt>
+                                        </p:tgtEl>
+                                        <p:attrNameLst>
+                                          <p:attrName>style.visibility</p:attrName>
+                                        </p:attrNameLst>
+                                      </p:cBhvr>
+                                      <p:to>
+                                        <p:strVal val="visible"/>
+                                      </p:to>
+                                    </p:set>
+                                  </p:childTnLst>
+                                </p:cTn>
+                              </p:par>
+                            </p:childTnLst>
+                          </p:cTn>
+                        </p:par>
+                      </p:childTnLst>
+                    </p:cTn>
+                  </p:par>
                 </p:childTnLst>
               </p:cTn>
               <p:prevCondLst>
@@ -24497,7 +24759,7 @@
           <a:p>
             <a:pPr algn="ctr" defTabSz="762000"/>
             <a:r>
-              <a:rPr lang="es-ES_tradnl" sz="2800" b="1">
+              <a:rPr lang="es-ES_tradnl" sz="2800" b="1" dirty="0">
                 <a:solidFill>
                   <a:srgbClr val="000099"/>
                 </a:solidFill>
@@ -24505,7 +24767,7 @@
               </a:rPr>
               <a:t>1</a:t>
             </a:r>
-            <a:endParaRPr lang="es-ES_tradnl" sz="2400">
+            <a:endParaRPr lang="es-ES_tradnl" sz="2400" dirty="0">
               <a:latin typeface="Times New Roman" pitchFamily="18" charset="0"/>
             </a:endParaRPr>
           </a:p>
@@ -24557,7 +24819,7 @@
           <a:p>
             <a:pPr algn="ctr" defTabSz="762000"/>
             <a:r>
-              <a:rPr lang="es-ES_tradnl" sz="2800" b="1">
+              <a:rPr lang="es-ES_tradnl" sz="2800" b="1" dirty="0">
                 <a:solidFill>
                   <a:srgbClr val="000099"/>
                 </a:solidFill>
@@ -24869,7 +25131,7 @@
         </p:nvSpPr>
         <p:spPr bwMode="auto">
           <a:xfrm>
-            <a:off x="6889576" y="4484489"/>
+            <a:off x="6846083" y="4484489"/>
             <a:ext cx="533400" cy="533400"/>
           </a:xfrm>
           <a:prstGeom prst="rect">
@@ -24926,7 +25188,7 @@
         </p:nvSpPr>
         <p:spPr bwMode="auto">
           <a:xfrm>
-            <a:off x="7422976" y="4484489"/>
+            <a:off x="7392803" y="4484489"/>
             <a:ext cx="533400" cy="533400"/>
           </a:xfrm>
           <a:prstGeom prst="rect">
@@ -24962,7 +25224,7 @@
           <a:p>
             <a:pPr algn="ctr" defTabSz="762000"/>
             <a:r>
-              <a:rPr lang="es-ES_tradnl" sz="2800" b="1">
+              <a:rPr lang="es-ES_tradnl" sz="2800" b="1" dirty="0">
                 <a:solidFill>
                   <a:srgbClr val="000099"/>
                 </a:solidFill>
@@ -25015,7 +25277,7 @@
                 </a:effectLst>
                 <a:latin typeface="Dom Casual" charset="0"/>
               </a:rPr>
-              <a:t>Actividad</a:t>
+              <a:t>Actividad colaborativa</a:t>
             </a:r>
           </a:p>
           <a:p>
@@ -25226,7 +25488,7 @@
                                           </p:stCondLst>
                                         </p:cTn>
                                         <p:tgtEl>
-                                          <p:spTgt spid="235540"/>
+                                          <p:spTgt spid="235544"/>
                                         </p:tgtEl>
                                         <p:attrNameLst>
                                           <p:attrName>style.visibility</p:attrName>
@@ -25240,7 +25502,7 @@
                                       <p:cBhvr additive="base">
                                         <p:cTn id="13" dur="500" fill="hold"/>
                                         <p:tgtEl>
-                                          <p:spTgt spid="235540"/>
+                                          <p:spTgt spid="235544"/>
                                         </p:tgtEl>
                                         <p:attrNameLst>
                                           <p:attrName>ppt_x</p:attrName>
@@ -25263,7 +25525,7 @@
                                       <p:cBhvr additive="base">
                                         <p:cTn id="14" dur="500" fill="hold"/>
                                         <p:tgtEl>
-                                          <p:spTgt spid="235540"/>
+                                          <p:spTgt spid="235544"/>
                                         </p:tgtEl>
                                         <p:attrNameLst>
                                           <p:attrName>ppt_y</p:attrName>
@@ -25292,13 +25554,13 @@
                     </p:cTn>
                   </p:par>
                   <p:par>
-                    <p:cTn id="15" fill="hold" nodeType="clickPar">
+                    <p:cTn id="15" fill="hold">
                       <p:stCondLst>
                         <p:cond delay="indefinite"/>
                       </p:stCondLst>
                       <p:childTnLst>
                         <p:par>
-                          <p:cTn id="16" fill="hold" nodeType="withGroup">
+                          <p:cTn id="16" fill="hold">
                             <p:stCondLst>
                               <p:cond delay="0"/>
                             </p:stCondLst>
@@ -25317,7 +25579,7 @@
                                           </p:stCondLst>
                                         </p:cTn>
                                         <p:tgtEl>
-                                          <p:spTgt spid="235541"/>
+                                          <p:spTgt spid="235545"/>
                                         </p:tgtEl>
                                         <p:attrNameLst>
                                           <p:attrName>style.visibility</p:attrName>
@@ -25331,7 +25593,7 @@
                                       <p:cBhvr additive="base">
                                         <p:cTn id="19" dur="500" fill="hold"/>
                                         <p:tgtEl>
-                                          <p:spTgt spid="235541"/>
+                                          <p:spTgt spid="235545"/>
                                         </p:tgtEl>
                                         <p:attrNameLst>
                                           <p:attrName>ppt_x</p:attrName>
@@ -25354,7 +25616,7 @@
                                       <p:cBhvr additive="base">
                                         <p:cTn id="20" dur="500" fill="hold"/>
                                         <p:tgtEl>
-                                          <p:spTgt spid="235541"/>
+                                          <p:spTgt spid="235545"/>
                                         </p:tgtEl>
                                         <p:attrNameLst>
                                           <p:attrName>ppt_y</p:attrName>
@@ -25383,13 +25645,13 @@
                     </p:cTn>
                   </p:par>
                   <p:par>
-                    <p:cTn id="21" fill="hold" nodeType="clickPar">
+                    <p:cTn id="21" fill="hold">
                       <p:stCondLst>
                         <p:cond delay="indefinite"/>
                       </p:stCondLst>
                       <p:childTnLst>
                         <p:par>
-                          <p:cTn id="22" fill="hold" nodeType="withGroup">
+                          <p:cTn id="22" fill="hold">
                             <p:stCondLst>
                               <p:cond delay="0"/>
                             </p:stCondLst>
@@ -25408,7 +25670,7 @@
                                           </p:stCondLst>
                                         </p:cTn>
                                         <p:tgtEl>
-                                          <p:spTgt spid="235523"/>
+                                          <p:spTgt spid="235542"/>
                                         </p:tgtEl>
                                         <p:attrNameLst>
                                           <p:attrName>style.visibility</p:attrName>
@@ -25422,7 +25684,7 @@
                                       <p:cBhvr additive="base">
                                         <p:cTn id="25" dur="500" fill="hold"/>
                                         <p:tgtEl>
-                                          <p:spTgt spid="235523"/>
+                                          <p:spTgt spid="235542"/>
                                         </p:tgtEl>
                                         <p:attrNameLst>
                                           <p:attrName>ppt_x</p:attrName>
@@ -25445,7 +25707,7 @@
                                       <p:cBhvr additive="base">
                                         <p:cTn id="26" dur="500" fill="hold"/>
                                         <p:tgtEl>
-                                          <p:spTgt spid="235523"/>
+                                          <p:spTgt spid="235542"/>
                                         </p:tgtEl>
                                         <p:attrNameLst>
                                           <p:attrName>ppt_y</p:attrName>
@@ -25474,13 +25736,13 @@
                     </p:cTn>
                   </p:par>
                   <p:par>
-                    <p:cTn id="27" fill="hold" nodeType="clickPar">
+                    <p:cTn id="27" fill="hold">
                       <p:stCondLst>
                         <p:cond delay="indefinite"/>
                       </p:stCondLst>
                       <p:childTnLst>
                         <p:par>
-                          <p:cTn id="28" fill="hold" nodeType="withGroup">
+                          <p:cTn id="28" fill="hold">
                             <p:stCondLst>
                               <p:cond delay="0"/>
                             </p:stCondLst>
@@ -25565,13 +25827,13 @@
                     </p:cTn>
                   </p:par>
                   <p:par>
-                    <p:cTn id="33" fill="hold" nodeType="clickPar">
+                    <p:cTn id="33" fill="hold">
                       <p:stCondLst>
                         <p:cond delay="indefinite"/>
                       </p:stCondLst>
                       <p:childTnLst>
                         <p:par>
-                          <p:cTn id="34" fill="hold" nodeType="withGroup">
+                          <p:cTn id="34" fill="hold">
                             <p:stCondLst>
                               <p:cond delay="0"/>
                             </p:stCondLst>
@@ -25590,6 +25852,279 @@
                                           </p:stCondLst>
                                         </p:cTn>
                                         <p:tgtEl>
+                                          <p:spTgt spid="235540"/>
+                                        </p:tgtEl>
+                                        <p:attrNameLst>
+                                          <p:attrName>style.visibility</p:attrName>
+                                        </p:attrNameLst>
+                                      </p:cBhvr>
+                                      <p:to>
+                                        <p:strVal val="visible"/>
+                                      </p:to>
+                                    </p:set>
+                                    <p:anim calcmode="lin" valueType="num">
+                                      <p:cBhvr additive="base">
+                                        <p:cTn id="37" dur="500" fill="hold"/>
+                                        <p:tgtEl>
+                                          <p:spTgt spid="235540"/>
+                                        </p:tgtEl>
+                                        <p:attrNameLst>
+                                          <p:attrName>ppt_x</p:attrName>
+                                        </p:attrNameLst>
+                                      </p:cBhvr>
+                                      <p:tavLst>
+                                        <p:tav tm="0">
+                                          <p:val>
+                                            <p:strVal val="0-#ppt_w/2"/>
+                                          </p:val>
+                                        </p:tav>
+                                        <p:tav tm="100000">
+                                          <p:val>
+                                            <p:strVal val="#ppt_x"/>
+                                          </p:val>
+                                        </p:tav>
+                                      </p:tavLst>
+                                    </p:anim>
+                                    <p:anim calcmode="lin" valueType="num">
+                                      <p:cBhvr additive="base">
+                                        <p:cTn id="38" dur="500" fill="hold"/>
+                                        <p:tgtEl>
+                                          <p:spTgt spid="235540"/>
+                                        </p:tgtEl>
+                                        <p:attrNameLst>
+                                          <p:attrName>ppt_y</p:attrName>
+                                        </p:attrNameLst>
+                                      </p:cBhvr>
+                                      <p:tavLst>
+                                        <p:tav tm="0">
+                                          <p:val>
+                                            <p:strVal val="#ppt_y"/>
+                                          </p:val>
+                                        </p:tav>
+                                        <p:tav tm="100000">
+                                          <p:val>
+                                            <p:strVal val="#ppt_y"/>
+                                          </p:val>
+                                        </p:tav>
+                                      </p:tavLst>
+                                    </p:anim>
+                                  </p:childTnLst>
+                                </p:cTn>
+                              </p:par>
+                            </p:childTnLst>
+                          </p:cTn>
+                        </p:par>
+                      </p:childTnLst>
+                    </p:cTn>
+                  </p:par>
+                  <p:par>
+                    <p:cTn id="39" fill="hold">
+                      <p:stCondLst>
+                        <p:cond delay="indefinite"/>
+                      </p:stCondLst>
+                      <p:childTnLst>
+                        <p:par>
+                          <p:cTn id="40" fill="hold">
+                            <p:stCondLst>
+                              <p:cond delay="0"/>
+                            </p:stCondLst>
+                            <p:childTnLst>
+                              <p:par>
+                                <p:cTn id="41" presetID="2" presetClass="entr" presetSubtype="8" fill="hold" grpId="0" nodeType="clickEffect">
+                                  <p:stCondLst>
+                                    <p:cond delay="0"/>
+                                  </p:stCondLst>
+                                  <p:childTnLst>
+                                    <p:set>
+                                      <p:cBhvr>
+                                        <p:cTn id="42" dur="1" fill="hold">
+                                          <p:stCondLst>
+                                            <p:cond delay="0"/>
+                                          </p:stCondLst>
+                                        </p:cTn>
+                                        <p:tgtEl>
+                                          <p:spTgt spid="235543"/>
+                                        </p:tgtEl>
+                                        <p:attrNameLst>
+                                          <p:attrName>style.visibility</p:attrName>
+                                        </p:attrNameLst>
+                                      </p:cBhvr>
+                                      <p:to>
+                                        <p:strVal val="visible"/>
+                                      </p:to>
+                                    </p:set>
+                                    <p:anim calcmode="lin" valueType="num">
+                                      <p:cBhvr additive="base">
+                                        <p:cTn id="43" dur="500" fill="hold"/>
+                                        <p:tgtEl>
+                                          <p:spTgt spid="235543"/>
+                                        </p:tgtEl>
+                                        <p:attrNameLst>
+                                          <p:attrName>ppt_x</p:attrName>
+                                        </p:attrNameLst>
+                                      </p:cBhvr>
+                                      <p:tavLst>
+                                        <p:tav tm="0">
+                                          <p:val>
+                                            <p:strVal val="0-#ppt_w/2"/>
+                                          </p:val>
+                                        </p:tav>
+                                        <p:tav tm="100000">
+                                          <p:val>
+                                            <p:strVal val="#ppt_x"/>
+                                          </p:val>
+                                        </p:tav>
+                                      </p:tavLst>
+                                    </p:anim>
+                                    <p:anim calcmode="lin" valueType="num">
+                                      <p:cBhvr additive="base">
+                                        <p:cTn id="44" dur="500" fill="hold"/>
+                                        <p:tgtEl>
+                                          <p:spTgt spid="235543"/>
+                                        </p:tgtEl>
+                                        <p:attrNameLst>
+                                          <p:attrName>ppt_y</p:attrName>
+                                        </p:attrNameLst>
+                                      </p:cBhvr>
+                                      <p:tavLst>
+                                        <p:tav tm="0">
+                                          <p:val>
+                                            <p:strVal val="#ppt_y"/>
+                                          </p:val>
+                                        </p:tav>
+                                        <p:tav tm="100000">
+                                          <p:val>
+                                            <p:strVal val="#ppt_y"/>
+                                          </p:val>
+                                        </p:tav>
+                                      </p:tavLst>
+                                    </p:anim>
+                                  </p:childTnLst>
+                                </p:cTn>
+                              </p:par>
+                            </p:childTnLst>
+                          </p:cTn>
+                        </p:par>
+                      </p:childTnLst>
+                    </p:cTn>
+                  </p:par>
+                  <p:par>
+                    <p:cTn id="45" fill="hold">
+                      <p:stCondLst>
+                        <p:cond delay="indefinite"/>
+                      </p:stCondLst>
+                      <p:childTnLst>
+                        <p:par>
+                          <p:cTn id="46" fill="hold">
+                            <p:stCondLst>
+                              <p:cond delay="0"/>
+                            </p:stCondLst>
+                            <p:childTnLst>
+                              <p:par>
+                                <p:cTn id="47" presetID="2" presetClass="entr" presetSubtype="8" fill="hold" grpId="0" nodeType="clickEffect">
+                                  <p:stCondLst>
+                                    <p:cond delay="0"/>
+                                  </p:stCondLst>
+                                  <p:childTnLst>
+                                    <p:set>
+                                      <p:cBhvr>
+                                        <p:cTn id="48" dur="1" fill="hold">
+                                          <p:stCondLst>
+                                            <p:cond delay="0"/>
+                                          </p:stCondLst>
+                                        </p:cTn>
+                                        <p:tgtEl>
+                                          <p:spTgt spid="235541"/>
+                                        </p:tgtEl>
+                                        <p:attrNameLst>
+                                          <p:attrName>style.visibility</p:attrName>
+                                        </p:attrNameLst>
+                                      </p:cBhvr>
+                                      <p:to>
+                                        <p:strVal val="visible"/>
+                                      </p:to>
+                                    </p:set>
+                                    <p:anim calcmode="lin" valueType="num">
+                                      <p:cBhvr additive="base">
+                                        <p:cTn id="49" dur="500" fill="hold"/>
+                                        <p:tgtEl>
+                                          <p:spTgt spid="235541"/>
+                                        </p:tgtEl>
+                                        <p:attrNameLst>
+                                          <p:attrName>ppt_x</p:attrName>
+                                        </p:attrNameLst>
+                                      </p:cBhvr>
+                                      <p:tavLst>
+                                        <p:tav tm="0">
+                                          <p:val>
+                                            <p:strVal val="0-#ppt_w/2"/>
+                                          </p:val>
+                                        </p:tav>
+                                        <p:tav tm="100000">
+                                          <p:val>
+                                            <p:strVal val="#ppt_x"/>
+                                          </p:val>
+                                        </p:tav>
+                                      </p:tavLst>
+                                    </p:anim>
+                                    <p:anim calcmode="lin" valueType="num">
+                                      <p:cBhvr additive="base">
+                                        <p:cTn id="50" dur="500" fill="hold"/>
+                                        <p:tgtEl>
+                                          <p:spTgt spid="235541"/>
+                                        </p:tgtEl>
+                                        <p:attrNameLst>
+                                          <p:attrName>ppt_y</p:attrName>
+                                        </p:attrNameLst>
+                                      </p:cBhvr>
+                                      <p:tavLst>
+                                        <p:tav tm="0">
+                                          <p:val>
+                                            <p:strVal val="#ppt_y"/>
+                                          </p:val>
+                                        </p:tav>
+                                        <p:tav tm="100000">
+                                          <p:val>
+                                            <p:strVal val="#ppt_y"/>
+                                          </p:val>
+                                        </p:tav>
+                                      </p:tavLst>
+                                    </p:anim>
+                                  </p:childTnLst>
+                                </p:cTn>
+                              </p:par>
+                            </p:childTnLst>
+                          </p:cTn>
+                        </p:par>
+                      </p:childTnLst>
+                    </p:cTn>
+                  </p:par>
+                  <p:par>
+                    <p:cTn id="51" fill="hold">
+                      <p:stCondLst>
+                        <p:cond delay="indefinite"/>
+                      </p:stCondLst>
+                      <p:childTnLst>
+                        <p:par>
+                          <p:cTn id="52" fill="hold">
+                            <p:stCondLst>
+                              <p:cond delay="0"/>
+                            </p:stCondLst>
+                            <p:childTnLst>
+                              <p:par>
+                                <p:cTn id="53" presetID="2" presetClass="entr" presetSubtype="8" fill="hold" grpId="0" nodeType="clickEffect">
+                                  <p:stCondLst>
+                                    <p:cond delay="0"/>
+                                  </p:stCondLst>
+                                  <p:childTnLst>
+                                    <p:set>
+                                      <p:cBhvr>
+                                        <p:cTn id="54" dur="1" fill="hold">
+                                          <p:stCondLst>
+                                            <p:cond delay="0"/>
+                                          </p:stCondLst>
+                                        </p:cTn>
+                                        <p:tgtEl>
                                           <p:spTgt spid="235539"/>
                                         </p:tgtEl>
                                         <p:attrNameLst>
@@ -25602,7 +26137,7 @@
                                     </p:set>
                                     <p:anim calcmode="lin" valueType="num">
                                       <p:cBhvr additive="base">
-                                        <p:cTn id="37" dur="500" fill="hold"/>
+                                        <p:cTn id="55" dur="500" fill="hold"/>
                                         <p:tgtEl>
                                           <p:spTgt spid="235539"/>
                                         </p:tgtEl>
@@ -25625,7 +26160,7 @@
                                     </p:anim>
                                     <p:anim calcmode="lin" valueType="num">
                                       <p:cBhvr additive="base">
-                                        <p:cTn id="38" dur="500" fill="hold"/>
+                                        <p:cTn id="56" dur="500" fill="hold"/>
                                         <p:tgtEl>
                                           <p:spTgt spid="235539"/>
                                         </p:tgtEl>
@@ -25656,286 +26191,13 @@
                     </p:cTn>
                   </p:par>
                   <p:par>
-                    <p:cTn id="39" fill="hold" nodeType="clickPar">
+                    <p:cTn id="57" fill="hold">
                       <p:stCondLst>
                         <p:cond delay="indefinite"/>
                       </p:stCondLst>
                       <p:childTnLst>
                         <p:par>
-                          <p:cTn id="40" fill="hold" nodeType="withGroup">
-                            <p:stCondLst>
-                              <p:cond delay="0"/>
-                            </p:stCondLst>
-                            <p:childTnLst>
-                              <p:par>
-                                <p:cTn id="41" presetID="2" presetClass="entr" presetSubtype="8" fill="hold" grpId="0" nodeType="clickEffect">
-                                  <p:stCondLst>
-                                    <p:cond delay="0"/>
-                                  </p:stCondLst>
-                                  <p:childTnLst>
-                                    <p:set>
-                                      <p:cBhvr>
-                                        <p:cTn id="42" dur="1" fill="hold">
-                                          <p:stCondLst>
-                                            <p:cond delay="0"/>
-                                          </p:stCondLst>
-                                        </p:cTn>
-                                        <p:tgtEl>
-                                          <p:spTgt spid="235542"/>
-                                        </p:tgtEl>
-                                        <p:attrNameLst>
-                                          <p:attrName>style.visibility</p:attrName>
-                                        </p:attrNameLst>
-                                      </p:cBhvr>
-                                      <p:to>
-                                        <p:strVal val="visible"/>
-                                      </p:to>
-                                    </p:set>
-                                    <p:anim calcmode="lin" valueType="num">
-                                      <p:cBhvr additive="base">
-                                        <p:cTn id="43" dur="500" fill="hold"/>
-                                        <p:tgtEl>
-                                          <p:spTgt spid="235542"/>
-                                        </p:tgtEl>
-                                        <p:attrNameLst>
-                                          <p:attrName>ppt_x</p:attrName>
-                                        </p:attrNameLst>
-                                      </p:cBhvr>
-                                      <p:tavLst>
-                                        <p:tav tm="0">
-                                          <p:val>
-                                            <p:strVal val="0-#ppt_w/2"/>
-                                          </p:val>
-                                        </p:tav>
-                                        <p:tav tm="100000">
-                                          <p:val>
-                                            <p:strVal val="#ppt_x"/>
-                                          </p:val>
-                                        </p:tav>
-                                      </p:tavLst>
-                                    </p:anim>
-                                    <p:anim calcmode="lin" valueType="num">
-                                      <p:cBhvr additive="base">
-                                        <p:cTn id="44" dur="500" fill="hold"/>
-                                        <p:tgtEl>
-                                          <p:spTgt spid="235542"/>
-                                        </p:tgtEl>
-                                        <p:attrNameLst>
-                                          <p:attrName>ppt_y</p:attrName>
-                                        </p:attrNameLst>
-                                      </p:cBhvr>
-                                      <p:tavLst>
-                                        <p:tav tm="0">
-                                          <p:val>
-                                            <p:strVal val="#ppt_y"/>
-                                          </p:val>
-                                        </p:tav>
-                                        <p:tav tm="100000">
-                                          <p:val>
-                                            <p:strVal val="#ppt_y"/>
-                                          </p:val>
-                                        </p:tav>
-                                      </p:tavLst>
-                                    </p:anim>
-                                  </p:childTnLst>
-                                </p:cTn>
-                              </p:par>
-                            </p:childTnLst>
-                          </p:cTn>
-                        </p:par>
-                      </p:childTnLst>
-                    </p:cTn>
-                  </p:par>
-                  <p:par>
-                    <p:cTn id="45" fill="hold" nodeType="clickPar">
-                      <p:stCondLst>
-                        <p:cond delay="indefinite"/>
-                      </p:stCondLst>
-                      <p:childTnLst>
-                        <p:par>
-                          <p:cTn id="46" fill="hold" nodeType="withGroup">
-                            <p:stCondLst>
-                              <p:cond delay="0"/>
-                            </p:stCondLst>
-                            <p:childTnLst>
-                              <p:par>
-                                <p:cTn id="47" presetID="2" presetClass="entr" presetSubtype="8" fill="hold" grpId="0" nodeType="clickEffect">
-                                  <p:stCondLst>
-                                    <p:cond delay="0"/>
-                                  </p:stCondLst>
-                                  <p:childTnLst>
-                                    <p:set>
-                                      <p:cBhvr>
-                                        <p:cTn id="48" dur="1" fill="hold">
-                                          <p:stCondLst>
-                                            <p:cond delay="0"/>
-                                          </p:stCondLst>
-                                        </p:cTn>
-                                        <p:tgtEl>
-                                          <p:spTgt spid="235543"/>
-                                        </p:tgtEl>
-                                        <p:attrNameLst>
-                                          <p:attrName>style.visibility</p:attrName>
-                                        </p:attrNameLst>
-                                      </p:cBhvr>
-                                      <p:to>
-                                        <p:strVal val="visible"/>
-                                      </p:to>
-                                    </p:set>
-                                    <p:anim calcmode="lin" valueType="num">
-                                      <p:cBhvr additive="base">
-                                        <p:cTn id="49" dur="500" fill="hold"/>
-                                        <p:tgtEl>
-                                          <p:spTgt spid="235543"/>
-                                        </p:tgtEl>
-                                        <p:attrNameLst>
-                                          <p:attrName>ppt_x</p:attrName>
-                                        </p:attrNameLst>
-                                      </p:cBhvr>
-                                      <p:tavLst>
-                                        <p:tav tm="0">
-                                          <p:val>
-                                            <p:strVal val="0-#ppt_w/2"/>
-                                          </p:val>
-                                        </p:tav>
-                                        <p:tav tm="100000">
-                                          <p:val>
-                                            <p:strVal val="#ppt_x"/>
-                                          </p:val>
-                                        </p:tav>
-                                      </p:tavLst>
-                                    </p:anim>
-                                    <p:anim calcmode="lin" valueType="num">
-                                      <p:cBhvr additive="base">
-                                        <p:cTn id="50" dur="500" fill="hold"/>
-                                        <p:tgtEl>
-                                          <p:spTgt spid="235543"/>
-                                        </p:tgtEl>
-                                        <p:attrNameLst>
-                                          <p:attrName>ppt_y</p:attrName>
-                                        </p:attrNameLst>
-                                      </p:cBhvr>
-                                      <p:tavLst>
-                                        <p:tav tm="0">
-                                          <p:val>
-                                            <p:strVal val="#ppt_y"/>
-                                          </p:val>
-                                        </p:tav>
-                                        <p:tav tm="100000">
-                                          <p:val>
-                                            <p:strVal val="#ppt_y"/>
-                                          </p:val>
-                                        </p:tav>
-                                      </p:tavLst>
-                                    </p:anim>
-                                  </p:childTnLst>
-                                </p:cTn>
-                              </p:par>
-                            </p:childTnLst>
-                          </p:cTn>
-                        </p:par>
-                      </p:childTnLst>
-                    </p:cTn>
-                  </p:par>
-                  <p:par>
-                    <p:cTn id="51" fill="hold" nodeType="clickPar">
-                      <p:stCondLst>
-                        <p:cond delay="indefinite"/>
-                      </p:stCondLst>
-                      <p:childTnLst>
-                        <p:par>
-                          <p:cTn id="52" fill="hold" nodeType="withGroup">
-                            <p:stCondLst>
-                              <p:cond delay="0"/>
-                            </p:stCondLst>
-                            <p:childTnLst>
-                              <p:par>
-                                <p:cTn id="53" presetID="2" presetClass="entr" presetSubtype="8" fill="hold" grpId="0" nodeType="clickEffect">
-                                  <p:stCondLst>
-                                    <p:cond delay="0"/>
-                                  </p:stCondLst>
-                                  <p:childTnLst>
-                                    <p:set>
-                                      <p:cBhvr>
-                                        <p:cTn id="54" dur="1" fill="hold">
-                                          <p:stCondLst>
-                                            <p:cond delay="0"/>
-                                          </p:stCondLst>
-                                        </p:cTn>
-                                        <p:tgtEl>
-                                          <p:spTgt spid="235544"/>
-                                        </p:tgtEl>
-                                        <p:attrNameLst>
-                                          <p:attrName>style.visibility</p:attrName>
-                                        </p:attrNameLst>
-                                      </p:cBhvr>
-                                      <p:to>
-                                        <p:strVal val="visible"/>
-                                      </p:to>
-                                    </p:set>
-                                    <p:anim calcmode="lin" valueType="num">
-                                      <p:cBhvr additive="base">
-                                        <p:cTn id="55" dur="500" fill="hold"/>
-                                        <p:tgtEl>
-                                          <p:spTgt spid="235544"/>
-                                        </p:tgtEl>
-                                        <p:attrNameLst>
-                                          <p:attrName>ppt_x</p:attrName>
-                                        </p:attrNameLst>
-                                      </p:cBhvr>
-                                      <p:tavLst>
-                                        <p:tav tm="0">
-                                          <p:val>
-                                            <p:strVal val="0-#ppt_w/2"/>
-                                          </p:val>
-                                        </p:tav>
-                                        <p:tav tm="100000">
-                                          <p:val>
-                                            <p:strVal val="#ppt_x"/>
-                                          </p:val>
-                                        </p:tav>
-                                      </p:tavLst>
-                                    </p:anim>
-                                    <p:anim calcmode="lin" valueType="num">
-                                      <p:cBhvr additive="base">
-                                        <p:cTn id="56" dur="500" fill="hold"/>
-                                        <p:tgtEl>
-                                          <p:spTgt spid="235544"/>
-                                        </p:tgtEl>
-                                        <p:attrNameLst>
-                                          <p:attrName>ppt_y</p:attrName>
-                                        </p:attrNameLst>
-                                      </p:cBhvr>
-                                      <p:tavLst>
-                                        <p:tav tm="0">
-                                          <p:val>
-                                            <p:strVal val="#ppt_y"/>
-                                          </p:val>
-                                        </p:tav>
-                                        <p:tav tm="100000">
-                                          <p:val>
-                                            <p:strVal val="#ppt_y"/>
-                                          </p:val>
-                                        </p:tav>
-                                      </p:tavLst>
-                                    </p:anim>
-                                  </p:childTnLst>
-                                </p:cTn>
-                              </p:par>
-                            </p:childTnLst>
-                          </p:cTn>
-                        </p:par>
-                      </p:childTnLst>
-                    </p:cTn>
-                  </p:par>
-                  <p:par>
-                    <p:cTn id="57" fill="hold" nodeType="clickPar">
-                      <p:stCondLst>
-                        <p:cond delay="indefinite"/>
-                      </p:stCondLst>
-                      <p:childTnLst>
-                        <p:par>
-                          <p:cTn id="58" fill="hold" nodeType="withGroup">
+                          <p:cTn id="58" fill="hold">
                             <p:stCondLst>
                               <p:cond delay="0"/>
                             </p:stCondLst>
@@ -25954,7 +26216,7 @@
                                           </p:stCondLst>
                                         </p:cTn>
                                         <p:tgtEl>
-                                          <p:spTgt spid="235545"/>
+                                          <p:spTgt spid="235523"/>
                                         </p:tgtEl>
                                         <p:attrNameLst>
                                           <p:attrName>style.visibility</p:attrName>
@@ -25968,7 +26230,7 @@
                                       <p:cBhvr additive="base">
                                         <p:cTn id="61" dur="500" fill="hold"/>
                                         <p:tgtEl>
-                                          <p:spTgt spid="235545"/>
+                                          <p:spTgt spid="235523"/>
                                         </p:tgtEl>
                                         <p:attrNameLst>
                                           <p:attrName>ppt_x</p:attrName>
@@ -25991,7 +26253,7 @@
                                       <p:cBhvr additive="base">
                                         <p:cTn id="62" dur="500" fill="hold"/>
                                         <p:tgtEl>
-                                          <p:spTgt spid="235545"/>
+                                          <p:spTgt spid="235523"/>
                                         </p:tgtEl>
                                         <p:attrNameLst>
                                           <p:attrName>ppt_y</p:attrName>
@@ -27621,6 +27883,86 @@
                       </p:childTnLst>
                     </p:cTn>
                   </p:par>
+                  <p:par>
+                    <p:cTn id="39" fill="hold">
+                      <p:stCondLst>
+                        <p:cond delay="indefinite"/>
+                      </p:stCondLst>
+                      <p:childTnLst>
+                        <p:par>
+                          <p:cTn id="40" fill="hold">
+                            <p:stCondLst>
+                              <p:cond delay="0"/>
+                            </p:stCondLst>
+                            <p:childTnLst>
+                              <p:par>
+                                <p:cTn id="41" presetID="1" presetClass="entr" presetSubtype="0" fill="hold" nodeType="clickEffect">
+                                  <p:stCondLst>
+                                    <p:cond delay="0"/>
+                                  </p:stCondLst>
+                                  <p:childTnLst>
+                                    <p:set>
+                                      <p:cBhvr>
+                                        <p:cTn id="42" dur="1" fill="hold">
+                                          <p:stCondLst>
+                                            <p:cond delay="0"/>
+                                          </p:stCondLst>
+                                        </p:cTn>
+                                        <p:tgtEl>
+                                          <p:spTgt spid="8">
+                                            <p:txEl>
+                                              <p:pRg st="7" end="7"/>
+                                            </p:txEl>
+                                          </p:spTgt>
+                                        </p:tgtEl>
+                                        <p:attrNameLst>
+                                          <p:attrName>style.visibility</p:attrName>
+                                        </p:attrNameLst>
+                                      </p:cBhvr>
+                                      <p:to>
+                                        <p:strVal val="visible"/>
+                                      </p:to>
+                                    </p:set>
+                                  </p:childTnLst>
+                                </p:cTn>
+                              </p:par>
+                              <p:par>
+                                <p:cTn id="43" presetID="1" presetClass="entr" presetSubtype="0" fill="hold" nodeType="withEffect">
+                                  <p:stCondLst>
+                                    <p:cond delay="0"/>
+                                  </p:stCondLst>
+                                  <p:childTnLst>
+                                    <p:set>
+                                      <p:cBhvr>
+                                        <p:cTn id="44" dur="1" fill="hold">
+                                          <p:stCondLst>
+                                            <p:cond delay="0"/>
+                                          </p:stCondLst>
+                                        </p:cTn>
+                                        <p:tgtEl>
+                                          <p:spTgt spid="8">
+                                            <p:txEl>
+                                              <p:pRg st="8" end="8"/>
+                                            </p:txEl>
+                                          </p:spTgt>
+                                        </p:tgtEl>
+                                        <p:attrNameLst>
+                                          <p:attrName>style.visibility</p:attrName>
+                                        </p:attrNameLst>
+                                      </p:cBhvr>
+                                      <p:to>
+                                        <p:strVal val="visible"/>
+                                      </p:to>
+                                    </p:set>
+                                  </p:childTnLst>
+                                </p:cTn>
+                              </p:par>
+                            </p:childTnLst>
+                          </p:cTn>
+                        </p:par>
+                      </p:childTnLst>
+                    </p:cTn>
+                  </p:par>
                 </p:childTnLst>
               </p:cTn>
               <p:prevCondLst>
@@ -31643,7 +31985,7 @@
                 </a:effectLst>
                 <a:latin typeface="Dom Casual" charset="0"/>
               </a:rPr>
-              <a:t>Actividad</a:t>
+              <a:t>Actividad colaborativa</a:t>
             </a:r>
           </a:p>
           <a:p>
@@ -33450,6 +33792,55 @@
                                         </p:tav>
                                       </p:tavLst>
                                     </p:anim>
+                                  </p:childTnLst>
+                                </p:cTn>
+                              </p:par>
+                            </p:childTnLst>
+                          </p:cTn>
+                        </p:par>
+                      </p:childTnLst>
+                    </p:cTn>
+                  </p:par>
+                  <p:par>
+                    <p:cTn id="45" fill="hold">
+                      <p:stCondLst>
+                        <p:cond delay="indefinite"/>
+                      </p:stCondLst>
+                      <p:childTnLst>
+                        <p:par>
+                          <p:cTn id="46" fill="hold">
+                            <p:stCondLst>
+                              <p:cond delay="0"/>
+                            </p:stCondLst>
+                            <p:childTnLst>
+                              <p:par>
+                                <p:cTn id="47" presetID="1" presetClass="entr" presetSubtype="0" fill="hold" nodeType="clickEffect">
+                                  <p:stCondLst>
+                                    <p:cond delay="0"/>
+                                  </p:stCondLst>
+                                  <p:childTnLst>
+                                    <p:set>
+                                      <p:cBhvr>
+                                        <p:cTn id="48" dur="1" fill="hold">
+                                          <p:stCondLst>
+                                            <p:cond delay="0"/>
+                                          </p:stCondLst>
+                                        </p:cTn>
+                                        <p:tgtEl>
+                                          <p:spTgt spid="8">
+                                            <p:txEl>
+                                              <p:pRg st="8" end="8"/>
+                                            </p:txEl>
+                                          </p:spTgt>
+                                        </p:tgtEl>
+                                        <p:attrNameLst>
+                                          <p:attrName>style.visibility</p:attrName>
+                                        </p:attrNameLst>
+                                      </p:cBhvr>
+                                      <p:to>
+                                        <p:strVal val="visible"/>
+                                      </p:to>
+                                    </p:set>
                                   </p:childTnLst>
                                 </p:cTn>
                               </p:par>

--- a/calendario/documentos/8_Matrices.pptx
+++ b/calendario/documentos/8_Matrices.pptx
@@ -232,7 +232,7 @@
           <a:p>
             <a:fld id="{9CE7A054-6D4F-4ED4-B3E7-62AC408CF793}" type="datetimeFigureOut">
               <a:rPr lang="es-MX" smtClean="0"/>
-              <a:t>04/10/2019</a:t>
+              <a:t>06/10/2019</a:t>
             </a:fld>
             <a:endParaRPr lang="es-MX"/>
           </a:p>
@@ -519,6 +519,90 @@
       </p:grpSpPr>
       <p:sp>
         <p:nvSpPr>
+          <p:cNvPr id="2" name="Marcador de imagen de diapositiva 1"/>
+          <p:cNvSpPr>
+            <a:spLocks noGrp="1" noRot="1" noChangeAspect="1"/>
+          </p:cNvSpPr>
+          <p:nvPr>
+            <p:ph type="sldImg"/>
+          </p:nvPr>
+        </p:nvSpPr>
+        <p:spPr/>
+      </p:sp>
+      <p:sp>
+        <p:nvSpPr>
+          <p:cNvPr id="3" name="Marcador de notas 2"/>
+          <p:cNvSpPr>
+            <a:spLocks noGrp="1"/>
+          </p:cNvSpPr>
+          <p:nvPr>
+            <p:ph type="body" idx="1"/>
+          </p:nvPr>
+        </p:nvSpPr>
+        <p:spPr/>
+        <p:txBody>
+          <a:bodyPr/>
+          <a:lstStyle/>
+          <a:p>
+            <a:endParaRPr lang="es-MX" dirty="0"/>
+          </a:p>
+        </p:txBody>
+      </p:sp>
+      <p:sp>
+        <p:nvSpPr>
+          <p:cNvPr id="4" name="Marcador de número de diapositiva 3"/>
+          <p:cNvSpPr>
+            <a:spLocks noGrp="1"/>
+          </p:cNvSpPr>
+          <p:nvPr>
+            <p:ph type="sldNum" sz="quarter" idx="5"/>
+          </p:nvPr>
+        </p:nvSpPr>
+        <p:spPr/>
+        <p:txBody>
+          <a:bodyPr/>
+          <a:lstStyle/>
+          <a:p>
+            <a:fld id="{9C4A5C2F-87B0-4382-B452-9CF1E6F7248D}" type="slidenum">
+              <a:rPr lang="es-MX" smtClean="0"/>
+              <a:t>3</a:t>
+            </a:fld>
+            <a:endParaRPr lang="es-MX"/>
+          </a:p>
+        </p:txBody>
+      </p:sp>
+    </p:spTree>
+    <p:extLst>
+      <p:ext uri="{BB962C8B-B14F-4D97-AF65-F5344CB8AC3E}">
+        <p14:creationId xmlns:p14="http://schemas.microsoft.com/office/powerpoint/2010/main" val="188225347"/>
+      </p:ext>
+    </p:extLst>
+  </p:cSld>
+  <p:clrMapOvr>
+    <a:masterClrMapping/>
+  </p:clrMapOvr>
+</p:notes>
+</file>
+
+<file path=ppt/notesSlides/notesSlide2.xml><?xml version="1.0" encoding="utf-8"?>
+<p:notes xmlns:a="http://schemas.openxmlformats.org/drawingml/2006/main" xmlns:r="http://schemas.openxmlformats.org/officeDocument/2006/relationships" xmlns:p="http://schemas.openxmlformats.org/presentationml/2006/main">
+  <p:cSld>
+    <p:spTree>
+      <p:nvGrpSpPr>
+        <p:cNvPr id="1" name=""/>
+        <p:cNvGrpSpPr/>
+        <p:nvPr/>
+      </p:nvGrpSpPr>
+      <p:grpSpPr>
+        <a:xfrm>
+          <a:off x="0" y="0"/>
+          <a:ext cx="0" cy="0"/>
+          <a:chOff x="0" y="0"/>
+          <a:chExt cx="0" cy="0"/>
+        </a:xfrm>
+      </p:grpSpPr>
+      <p:sp>
+        <p:nvSpPr>
           <p:cNvPr id="2" name="1 Marcador de imagen de diapositiva"/>
           <p:cNvSpPr>
             <a:spLocks noGrp="1" noRot="1" noChangeAspect="1"/>
@@ -584,7 +668,7 @@
 </p:notes>
 </file>
 
-<file path=ppt/notesSlides/notesSlide2.xml><?xml version="1.0" encoding="utf-8"?>
+<file path=ppt/notesSlides/notesSlide3.xml><?xml version="1.0" encoding="utf-8"?>
 <p:notes xmlns:a="http://schemas.openxmlformats.org/drawingml/2006/main" xmlns:r="http://schemas.openxmlformats.org/officeDocument/2006/relationships" xmlns:p="http://schemas.openxmlformats.org/presentationml/2006/main">
   <p:cSld>
     <p:spTree>
@@ -668,7 +752,7 @@
 </p:notes>
 </file>
 
-<file path=ppt/notesSlides/notesSlide3.xml><?xml version="1.0" encoding="utf-8"?>
+<file path=ppt/notesSlides/notesSlide4.xml><?xml version="1.0" encoding="utf-8"?>
 <p:notes xmlns:a="http://schemas.openxmlformats.org/drawingml/2006/main" xmlns:r="http://schemas.openxmlformats.org/officeDocument/2006/relationships" xmlns:p="http://schemas.openxmlformats.org/presentationml/2006/main">
   <p:cSld>
     <p:spTree>
@@ -752,7 +836,7 @@
 </p:notes>
 </file>
 
-<file path=ppt/notesSlides/notesSlide4.xml><?xml version="1.0" encoding="utf-8"?>
+<file path=ppt/notesSlides/notesSlide5.xml><?xml version="1.0" encoding="utf-8"?>
 <p:notes xmlns:a="http://schemas.openxmlformats.org/drawingml/2006/main" xmlns:r="http://schemas.openxmlformats.org/officeDocument/2006/relationships" xmlns:p="http://schemas.openxmlformats.org/presentationml/2006/main">
   <p:cSld>
     <p:spTree>
@@ -836,7 +920,7 @@
 </p:notes>
 </file>
 
-<file path=ppt/notesSlides/notesSlide5.xml><?xml version="1.0" encoding="utf-8"?>
+<file path=ppt/notesSlides/notesSlide6.xml><?xml version="1.0" encoding="utf-8"?>
 <p:notes xmlns:a="http://schemas.openxmlformats.org/drawingml/2006/main" xmlns:r="http://schemas.openxmlformats.org/officeDocument/2006/relationships" xmlns:p="http://schemas.openxmlformats.org/presentationml/2006/main">
   <p:cSld>
     <p:spTree>
@@ -920,7 +1004,7 @@
 </p:notes>
 </file>
 
-<file path=ppt/notesSlides/notesSlide6.xml><?xml version="1.0" encoding="utf-8"?>
+<file path=ppt/notesSlides/notesSlide7.xml><?xml version="1.0" encoding="utf-8"?>
 <p:notes xmlns:a="http://schemas.openxmlformats.org/drawingml/2006/main" xmlns:r="http://schemas.openxmlformats.org/officeDocument/2006/relationships" xmlns:p="http://schemas.openxmlformats.org/presentationml/2006/main">
   <p:cSld>
     <p:spTree>
@@ -1004,7 +1088,7 @@
 </p:notes>
 </file>
 
-<file path=ppt/notesSlides/notesSlide7.xml><?xml version="1.0" encoding="utf-8"?>
+<file path=ppt/notesSlides/notesSlide8.xml><?xml version="1.0" encoding="utf-8"?>
 <p:notes xmlns:a="http://schemas.openxmlformats.org/drawingml/2006/main" xmlns:r="http://schemas.openxmlformats.org/officeDocument/2006/relationships" xmlns:p="http://schemas.openxmlformats.org/presentationml/2006/main">
   <p:cSld>
     <p:spTree>
@@ -1269,7 +1353,7 @@
           <a:p>
             <a:fld id="{05B1B184-8162-40A9-BCCC-182276235E4C}" type="datetimeFigureOut">
               <a:rPr lang="es-MX" smtClean="0"/>
-              <a:t>04/10/2019</a:t>
+              <a:t>06/10/2019</a:t>
             </a:fld>
             <a:endParaRPr lang="es-MX"/>
           </a:p>
@@ -1439,7 +1523,7 @@
           <a:p>
             <a:fld id="{05B1B184-8162-40A9-BCCC-182276235E4C}" type="datetimeFigureOut">
               <a:rPr lang="es-MX" smtClean="0"/>
-              <a:t>04/10/2019</a:t>
+              <a:t>06/10/2019</a:t>
             </a:fld>
             <a:endParaRPr lang="es-MX"/>
           </a:p>
@@ -1619,7 +1703,7 @@
           <a:p>
             <a:fld id="{05B1B184-8162-40A9-BCCC-182276235E4C}" type="datetimeFigureOut">
               <a:rPr lang="es-MX" smtClean="0"/>
-              <a:t>04/10/2019</a:t>
+              <a:t>06/10/2019</a:t>
             </a:fld>
             <a:endParaRPr lang="es-MX"/>
           </a:p>
@@ -1789,7 +1873,7 @@
           <a:p>
             <a:fld id="{05B1B184-8162-40A9-BCCC-182276235E4C}" type="datetimeFigureOut">
               <a:rPr lang="es-MX" smtClean="0"/>
-              <a:t>04/10/2019</a:t>
+              <a:t>06/10/2019</a:t>
             </a:fld>
             <a:endParaRPr lang="es-MX"/>
           </a:p>
@@ -2035,7 +2119,7 @@
           <a:p>
             <a:fld id="{05B1B184-8162-40A9-BCCC-182276235E4C}" type="datetimeFigureOut">
               <a:rPr lang="es-MX" smtClean="0"/>
-              <a:t>04/10/2019</a:t>
+              <a:t>06/10/2019</a:t>
             </a:fld>
             <a:endParaRPr lang="es-MX"/>
           </a:p>
@@ -2323,7 +2407,7 @@
           <a:p>
             <a:fld id="{05B1B184-8162-40A9-BCCC-182276235E4C}" type="datetimeFigureOut">
               <a:rPr lang="es-MX" smtClean="0"/>
-              <a:t>04/10/2019</a:t>
+              <a:t>06/10/2019</a:t>
             </a:fld>
             <a:endParaRPr lang="es-MX"/>
           </a:p>
@@ -2745,7 +2829,7 @@
           <a:p>
             <a:fld id="{05B1B184-8162-40A9-BCCC-182276235E4C}" type="datetimeFigureOut">
               <a:rPr lang="es-MX" smtClean="0"/>
-              <a:t>04/10/2019</a:t>
+              <a:t>06/10/2019</a:t>
             </a:fld>
             <a:endParaRPr lang="es-MX"/>
           </a:p>
@@ -2863,7 +2947,7 @@
           <a:p>
             <a:fld id="{05B1B184-8162-40A9-BCCC-182276235E4C}" type="datetimeFigureOut">
               <a:rPr lang="es-MX" smtClean="0"/>
-              <a:t>04/10/2019</a:t>
+              <a:t>06/10/2019</a:t>
             </a:fld>
             <a:endParaRPr lang="es-MX"/>
           </a:p>
@@ -2958,7 +3042,7 @@
           <a:p>
             <a:fld id="{05B1B184-8162-40A9-BCCC-182276235E4C}" type="datetimeFigureOut">
               <a:rPr lang="es-MX" smtClean="0"/>
-              <a:t>04/10/2019</a:t>
+              <a:t>06/10/2019</a:t>
             </a:fld>
             <a:endParaRPr lang="es-MX"/>
           </a:p>
@@ -3235,7 +3319,7 @@
           <a:p>
             <a:fld id="{05B1B184-8162-40A9-BCCC-182276235E4C}" type="datetimeFigureOut">
               <a:rPr lang="es-MX" smtClean="0"/>
-              <a:t>04/10/2019</a:t>
+              <a:t>06/10/2019</a:t>
             </a:fld>
             <a:endParaRPr lang="es-MX"/>
           </a:p>
@@ -3488,7 +3572,7 @@
           <a:p>
             <a:fld id="{05B1B184-8162-40A9-BCCC-182276235E4C}" type="datetimeFigureOut">
               <a:rPr lang="es-MX" smtClean="0"/>
-              <a:t>04/10/2019</a:t>
+              <a:t>06/10/2019</a:t>
             </a:fld>
             <a:endParaRPr lang="es-MX"/>
           </a:p>
@@ -3701,7 +3785,7 @@
           <a:p>
             <a:fld id="{05B1B184-8162-40A9-BCCC-182276235E4C}" type="datetimeFigureOut">
               <a:rPr lang="es-MX" smtClean="0"/>
-              <a:t>04/10/2019</a:t>
+              <a:t>06/10/2019</a:t>
             </a:fld>
             <a:endParaRPr lang="es-MX"/>
           </a:p>
@@ -4109,7 +4193,7 @@
                   </a:schemeClr>
                 </a:solidFill>
               </a:rPr>
-              <a:t>Matrices</a:t>
+              <a:t>Matrices o listas anidadas</a:t>
             </a:r>
           </a:p>
           <a:p>
@@ -4127,7 +4211,7 @@
                   </a:schemeClr>
                 </a:solidFill>
               </a:rPr>
-              <a:t>ITESM Campus Querétaro</a:t>
+              <a:t>Tecnológico de Monterrey, Campus Querétaro</a:t>
             </a:r>
           </a:p>
         </p:txBody>
@@ -15972,55 +16056,6 @@
       </p:sp>
       <p:sp>
         <p:nvSpPr>
-          <p:cNvPr id="5" name="Rectangle 5">
-            <a:extLst>
-              <a:ext uri="{FF2B5EF4-FFF2-40B4-BE49-F238E27FC236}">
-                <a16:creationId xmlns:a16="http://schemas.microsoft.com/office/drawing/2014/main" id="{8CFB1FB7-9245-42F8-AD24-F8A5D3A0E24B}"/>
-              </a:ext>
-            </a:extLst>
-          </p:cNvPr>
-          <p:cNvSpPr>
-            <a:spLocks noGrp="1" noChangeArrowheads="1"/>
-          </p:cNvSpPr>
-          <p:nvPr>
-            <p:ph type="title"/>
-          </p:nvPr>
-        </p:nvSpPr>
-        <p:spPr>
-          <a:xfrm>
-            <a:off x="971600" y="0"/>
-            <a:ext cx="7010400" cy="1143000"/>
-          </a:xfrm>
-        </p:spPr>
-        <p:txBody>
-          <a:bodyPr>
-            <a:normAutofit/>
-          </a:bodyPr>
-          <a:lstStyle/>
-          <a:p>
-            <a:pPr eaLnBrk="1" hangingPunct="1">
-              <a:defRPr/>
-            </a:pPr>
-            <a:r>
-              <a:rPr lang="es-ES_tradnl" sz="4800" b="1" dirty="0">
-                <a:solidFill>
-                  <a:schemeClr val="accent4">
-                    <a:lumMod val="50000"/>
-                  </a:schemeClr>
-                </a:solidFill>
-                <a:effectLst>
-                  <a:outerShdw blurRad="38100" dist="38100" dir="2700000" algn="tl">
-                    <a:srgbClr val="C0C0C0"/>
-                  </a:outerShdw>
-                </a:effectLst>
-              </a:rPr>
-              <a:t>Matices o listas anidadas</a:t>
-            </a:r>
-          </a:p>
-        </p:txBody>
-      </p:sp>
-      <p:sp>
-        <p:nvSpPr>
           <p:cNvPr id="8" name="Text Box 4">
             <a:extLst>
               <a:ext uri="{FF2B5EF4-FFF2-40B4-BE49-F238E27FC236}">
@@ -16307,6 +16342,71 @@
           </a:prstGeom>
         </p:spPr>
       </p:pic>
+      <p:sp>
+        <p:nvSpPr>
+          <p:cNvPr id="9" name="Rectangle 2">
+            <a:extLst>
+              <a:ext uri="{FF2B5EF4-FFF2-40B4-BE49-F238E27FC236}">
+                <a16:creationId xmlns:a16="http://schemas.microsoft.com/office/drawing/2014/main" id="{C82333C3-67BF-4D24-89D6-2B8574D54B46}"/>
+              </a:ext>
+            </a:extLst>
+          </p:cNvPr>
+          <p:cNvSpPr txBox="1">
+            <a:spLocks noChangeArrowheads="1"/>
+          </p:cNvSpPr>
+          <p:nvPr/>
+        </p:nvSpPr>
+        <p:spPr>
+          <a:xfrm>
+            <a:off x="1475656" y="218728"/>
+            <a:ext cx="6192688" cy="762000"/>
+          </a:xfrm>
+          <a:prstGeom prst="rect">
+            <a:avLst/>
+          </a:prstGeom>
+        </p:spPr>
+        <p:txBody>
+          <a:bodyPr vert="horz" lIns="91440" tIns="45720" rIns="91440" bIns="45720" rtlCol="0" anchor="ctr">
+            <a:normAutofit/>
+          </a:bodyPr>
+          <a:lstStyle>
+            <a:lvl1pPr algn="ctr" defTabSz="914400" rtl="0" eaLnBrk="1" latinLnBrk="0" hangingPunct="1">
+              <a:spcBef>
+                <a:spcPct val="0"/>
+              </a:spcBef>
+              <a:buNone/>
+              <a:defRPr sz="4400" kern="1200">
+                <a:solidFill>
+                  <a:schemeClr val="tx1"/>
+                </a:solidFill>
+                <a:latin typeface="+mj-lt"/>
+                <a:ea typeface="+mj-ea"/>
+                <a:cs typeface="+mj-cs"/>
+              </a:defRPr>
+            </a:lvl1pPr>
+          </a:lstStyle>
+          <a:p>
+            <a:r>
+              <a:rPr lang="es-ES_tradnl" b="1" dirty="0">
+                <a:solidFill>
+                  <a:schemeClr val="accent4">
+                    <a:lumMod val="50000"/>
+                  </a:schemeClr>
+                </a:solidFill>
+                <a:effectLst>
+                  <a:outerShdw blurRad="38100" dist="38100" dir="2700000" algn="tl">
+                    <a:srgbClr val="000000">
+                      <a:alpha val="43137"/>
+                    </a:srgbClr>
+                  </a:outerShdw>
+                </a:effectLst>
+                <a:latin typeface="Dom Casual"/>
+              </a:rPr>
+              <a:t>Matrices o listas anidadas</a:t>
+            </a:r>
+          </a:p>
+        </p:txBody>
+      </p:sp>
     </p:spTree>
     <p:extLst>
       <p:ext uri="{BB962C8B-B14F-4D97-AF65-F5344CB8AC3E}">
@@ -19503,13 +19603,13 @@
         </p:nvSpPr>
         <p:spPr>
           <a:xfrm>
-            <a:off x="1961741" y="334789"/>
-            <a:ext cx="5112568" cy="762000"/>
+            <a:off x="1331640" y="334789"/>
+            <a:ext cx="6192688" cy="762000"/>
           </a:xfrm>
         </p:spPr>
         <p:txBody>
           <a:bodyPr>
-            <a:normAutofit fontScale="90000"/>
+            <a:normAutofit/>
           </a:bodyPr>
           <a:lstStyle/>
           <a:p>
@@ -19530,7 +19630,7 @@
                 </a:effectLst>
                 <a:latin typeface="Dom Casual"/>
               </a:rPr>
-              <a:t>Matriz o lista anidada</a:t>
+              <a:t>Matrices o listas anidadas</a:t>
             </a:r>
           </a:p>
         </p:txBody>
@@ -34405,7 +34505,7 @@
         </p:nvSpPr>
         <p:spPr>
           <a:xfrm>
-            <a:off x="751656" y="1196752"/>
+            <a:off x="607640" y="1196752"/>
             <a:ext cx="7924800" cy="3733800"/>
           </a:xfrm>
         </p:spPr>
@@ -34606,7 +34706,7 @@
         </p:nvGrpSpPr>
         <p:grpSpPr bwMode="auto">
           <a:xfrm>
-            <a:off x="4967288" y="3212976"/>
+            <a:off x="4823272" y="3212976"/>
             <a:ext cx="3556000" cy="2616200"/>
             <a:chOff x="3232" y="2384"/>
             <a:chExt cx="2240" cy="1648"/>
@@ -37461,42 +37561,33 @@
       </p:grpSp>
       <p:sp>
         <p:nvSpPr>
-          <p:cNvPr id="42" name="Rectangle 2"/>
-          <p:cNvSpPr txBox="1">
-            <a:spLocks noChangeArrowheads="1"/>
+          <p:cNvPr id="41" name="Rectangle 2">
+            <a:extLst>
+              <a:ext uri="{FF2B5EF4-FFF2-40B4-BE49-F238E27FC236}">
+                <a16:creationId xmlns:a16="http://schemas.microsoft.com/office/drawing/2014/main" id="{C0BA16FA-D5BB-48FE-9E2C-831820CB494B}"/>
+              </a:ext>
+            </a:extLst>
+          </p:cNvPr>
+          <p:cNvSpPr>
+            <a:spLocks noGrp="1" noChangeArrowheads="1"/>
           </p:cNvSpPr>
-          <p:nvPr/>
+          <p:nvPr>
+            <p:ph type="title"/>
+          </p:nvPr>
         </p:nvSpPr>
         <p:spPr>
           <a:xfrm>
-            <a:off x="2230438" y="218728"/>
-            <a:ext cx="4646612" cy="1050032"/>
+            <a:off x="1403648" y="334789"/>
+            <a:ext cx="6192688" cy="762000"/>
           </a:xfrm>
-          <a:prstGeom prst="rect">
-            <a:avLst/>
-          </a:prstGeom>
         </p:spPr>
         <p:txBody>
-          <a:bodyPr vert="horz" lIns="91440" tIns="45720" rIns="91440" bIns="45720" rtlCol="0" anchor="ctr">
-            <a:normAutofit fontScale="85000" lnSpcReduction="10000"/>
+          <a:bodyPr>
+            <a:normAutofit/>
           </a:bodyPr>
-          <a:lstStyle>
-            <a:lvl1pPr algn="ctr" defTabSz="914400" rtl="0" eaLnBrk="1" latinLnBrk="0" hangingPunct="1">
-              <a:spcBef>
-                <a:spcPct val="0"/>
-              </a:spcBef>
-              <a:buNone/>
-              <a:defRPr sz="4400" kern="1200">
-                <a:solidFill>
-                  <a:schemeClr val="tx1"/>
-                </a:solidFill>
-                <a:latin typeface="+mj-lt"/>
-                <a:ea typeface="+mj-ea"/>
-                <a:cs typeface="+mj-cs"/>
-              </a:defRPr>
-            </a:lvl1pPr>
-          </a:lstStyle>
+          <a:lstStyle/>
           <a:p>
+            <a:pPr eaLnBrk="1" hangingPunct="1"/>
             <a:r>
               <a:rPr lang="es-ES_tradnl" b="1" dirty="0">
                 <a:solidFill>
@@ -37513,7 +37604,7 @@
                 </a:effectLst>
                 <a:latin typeface="Dom Casual"/>
               </a:rPr>
-              <a:t>Matriz o lista anidada</a:t>
+              <a:t>Matrices o listas anidadas</a:t>
             </a:r>
           </a:p>
         </p:txBody>
@@ -37643,7 +37734,7 @@
         </p:nvSpPr>
         <p:spPr>
           <a:xfrm>
-            <a:off x="598488" y="980728"/>
+            <a:off x="527248" y="1115144"/>
             <a:ext cx="8077200" cy="5410200"/>
           </a:xfrm>
         </p:spPr>
@@ -37869,65 +37960,6 @@
                 <a:cs typeface="Arial" pitchFamily="34" charset="0"/>
               </a:rPr>
               <a:t> </a:t>
-            </a:r>
-          </a:p>
-        </p:txBody>
-      </p:sp>
-      <p:sp>
-        <p:nvSpPr>
-          <p:cNvPr id="6" name="Rectangle 2"/>
-          <p:cNvSpPr txBox="1">
-            <a:spLocks noChangeArrowheads="1"/>
-          </p:cNvSpPr>
-          <p:nvPr/>
-        </p:nvSpPr>
-        <p:spPr>
-          <a:xfrm>
-            <a:off x="2230438" y="188640"/>
-            <a:ext cx="4646612" cy="762000"/>
-          </a:xfrm>
-          <a:prstGeom prst="rect">
-            <a:avLst/>
-          </a:prstGeom>
-        </p:spPr>
-        <p:txBody>
-          <a:bodyPr vert="horz" lIns="91440" tIns="45720" rIns="91440" bIns="45720" rtlCol="0" anchor="ctr">
-            <a:normAutofit fontScale="85000" lnSpcReduction="10000"/>
-          </a:bodyPr>
-          <a:lstStyle>
-            <a:lvl1pPr algn="ctr" defTabSz="914400" rtl="0" eaLnBrk="1" latinLnBrk="0" hangingPunct="1">
-              <a:spcBef>
-                <a:spcPct val="0"/>
-              </a:spcBef>
-              <a:buNone/>
-              <a:defRPr sz="4400" kern="1200">
-                <a:solidFill>
-                  <a:schemeClr val="tx1"/>
-                </a:solidFill>
-                <a:latin typeface="+mj-lt"/>
-                <a:ea typeface="+mj-ea"/>
-                <a:cs typeface="+mj-cs"/>
-              </a:defRPr>
-            </a:lvl1pPr>
-          </a:lstStyle>
-          <a:p>
-            <a:r>
-              <a:rPr lang="es-ES_tradnl" b="1" dirty="0">
-                <a:solidFill>
-                  <a:schemeClr val="accent4">
-                    <a:lumMod val="50000"/>
-                  </a:schemeClr>
-                </a:solidFill>
-                <a:effectLst>
-                  <a:outerShdw blurRad="38100" dist="38100" dir="2700000" algn="tl">
-                    <a:srgbClr val="000000">
-                      <a:alpha val="43137"/>
-                    </a:srgbClr>
-                  </a:outerShdw>
-                </a:effectLst>
-                <a:latin typeface="Dom Casual"/>
-              </a:rPr>
-              <a:t>Matriz o lista anidada</a:t>
             </a:r>
           </a:p>
         </p:txBody>
@@ -37954,7 +37986,7 @@
         </p:blipFill>
         <p:spPr>
           <a:xfrm>
-            <a:off x="5940152" y="3315633"/>
+            <a:off x="5868912" y="3450049"/>
             <a:ext cx="2592288" cy="2499503"/>
           </a:xfrm>
           <a:prstGeom prst="rect">
@@ -37962,6 +37994,56 @@
           </a:prstGeom>
         </p:spPr>
       </p:pic>
+      <p:sp>
+        <p:nvSpPr>
+          <p:cNvPr id="5" name="Rectangle 2">
+            <a:extLst>
+              <a:ext uri="{FF2B5EF4-FFF2-40B4-BE49-F238E27FC236}">
+                <a16:creationId xmlns:a16="http://schemas.microsoft.com/office/drawing/2014/main" id="{4FB16933-B78A-40C4-87E1-FF8F00B9A743}"/>
+              </a:ext>
+            </a:extLst>
+          </p:cNvPr>
+          <p:cNvSpPr>
+            <a:spLocks noGrp="1" noChangeArrowheads="1"/>
+          </p:cNvSpPr>
+          <p:nvPr>
+            <p:ph type="title"/>
+          </p:nvPr>
+        </p:nvSpPr>
+        <p:spPr>
+          <a:xfrm>
+            <a:off x="1403648" y="218728"/>
+            <a:ext cx="6192688" cy="762000"/>
+          </a:xfrm>
+        </p:spPr>
+        <p:txBody>
+          <a:bodyPr>
+            <a:normAutofit/>
+          </a:bodyPr>
+          <a:lstStyle/>
+          <a:p>
+            <a:pPr eaLnBrk="1" hangingPunct="1"/>
+            <a:r>
+              <a:rPr lang="es-ES_tradnl" b="1" dirty="0">
+                <a:solidFill>
+                  <a:schemeClr val="accent4">
+                    <a:lumMod val="50000"/>
+                  </a:schemeClr>
+                </a:solidFill>
+                <a:effectLst>
+                  <a:outerShdw blurRad="38100" dist="38100" dir="2700000" algn="tl">
+                    <a:srgbClr val="000000">
+                      <a:alpha val="43137"/>
+                    </a:srgbClr>
+                  </a:outerShdw>
+                </a:effectLst>
+                <a:latin typeface="Dom Casual"/>
+              </a:rPr>
+              <a:t>Matrices o listas anidadas</a:t>
+            </a:r>
+          </a:p>
+        </p:txBody>
+      </p:sp>
     </p:spTree>
     <p:extLst>
       <p:ext uri="{BB962C8B-B14F-4D97-AF65-F5344CB8AC3E}">
@@ -38434,7 +38516,7 @@
         </p:nvSpPr>
         <p:spPr>
           <a:xfrm>
-            <a:off x="611561" y="1700808"/>
+            <a:off x="755576" y="1484784"/>
             <a:ext cx="7560840" cy="4536504"/>
           </a:xfrm>
         </p:spPr>
@@ -38597,7 +38679,7 @@
         </p:blipFill>
         <p:spPr>
           <a:xfrm>
-            <a:off x="6444208" y="3429000"/>
+            <a:off x="6588223" y="3212976"/>
             <a:ext cx="1440160" cy="1371906"/>
           </a:xfrm>
           <a:prstGeom prst="rect">
@@ -38689,7 +38771,7 @@
         </p:nvSpPr>
         <p:spPr>
           <a:xfrm>
-            <a:off x="755576" y="1484785"/>
+            <a:off x="683269" y="1340768"/>
             <a:ext cx="7777163" cy="3888432"/>
           </a:xfrm>
         </p:spPr>
@@ -38903,7 +38985,7 @@
         </p:blipFill>
         <p:spPr>
           <a:xfrm>
-            <a:off x="6948264" y="4975297"/>
+            <a:off x="6875957" y="4831280"/>
             <a:ext cx="1440160" cy="1371906"/>
           </a:xfrm>
           <a:prstGeom prst="rect">
@@ -38953,7 +39035,7 @@
         </p:nvSpPr>
         <p:spPr>
           <a:xfrm>
-            <a:off x="817265" y="1340768"/>
+            <a:off x="683568" y="1196752"/>
             <a:ext cx="7685882" cy="4176464"/>
           </a:xfrm>
         </p:spPr>
@@ -39176,7 +39258,7 @@
         </p:nvSpPr>
         <p:spPr>
           <a:xfrm>
-            <a:off x="827584" y="53752"/>
+            <a:off x="683568" y="53752"/>
             <a:ext cx="7675562" cy="1143000"/>
           </a:xfrm>
           <a:prstGeom prst="rect">
@@ -39205,7 +39287,7 @@
           </a:lstStyle>
           <a:p>
             <a:r>
-              <a:rPr lang="es-ES_tradnl" b="1">
+              <a:rPr lang="es-ES_tradnl" b="1" dirty="0">
                 <a:solidFill>
                   <a:schemeClr val="accent4">
                     <a:lumMod val="50000"/>
@@ -39222,21 +39304,6 @@
               </a:rPr>
               <a:t>Localidades de una matriz</a:t>
             </a:r>
-            <a:endParaRPr lang="es-ES_tradnl" b="1" dirty="0">
-              <a:solidFill>
-                <a:schemeClr val="accent4">
-                  <a:lumMod val="50000"/>
-                </a:schemeClr>
-              </a:solidFill>
-              <a:effectLst>
-                <a:outerShdw blurRad="38100" dist="38100" dir="2700000" algn="tl">
-                  <a:srgbClr val="000000">
-                    <a:alpha val="43137"/>
-                  </a:srgbClr>
-                </a:outerShdw>
-              </a:effectLst>
-              <a:latin typeface="Dom Casual"/>
-            </a:endParaRPr>
           </a:p>
         </p:txBody>
       </p:sp>
@@ -39262,7 +39329,7 @@
         </p:blipFill>
         <p:spPr>
           <a:xfrm>
-            <a:off x="7027510" y="5141759"/>
+            <a:off x="6893813" y="4997743"/>
             <a:ext cx="1440160" cy="1371906"/>
           </a:xfrm>
           <a:prstGeom prst="rect">

--- a/calendario/documentos/8_Matrices.pptx
+++ b/calendario/documentos/8_Matrices.pptx
@@ -232,7 +232,7 @@
           <a:p>
             <a:fld id="{9CE7A054-6D4F-4ED4-B3E7-62AC408CF793}" type="datetimeFigureOut">
               <a:rPr lang="es-MX" smtClean="0"/>
-              <a:t>06/10/2019</a:t>
+              <a:t>10/10/2019</a:t>
             </a:fld>
             <a:endParaRPr lang="es-MX"/>
           </a:p>
@@ -1353,7 +1353,7 @@
           <a:p>
             <a:fld id="{05B1B184-8162-40A9-BCCC-182276235E4C}" type="datetimeFigureOut">
               <a:rPr lang="es-MX" smtClean="0"/>
-              <a:t>06/10/2019</a:t>
+              <a:t>10/10/2019</a:t>
             </a:fld>
             <a:endParaRPr lang="es-MX"/>
           </a:p>
@@ -1523,7 +1523,7 @@
           <a:p>
             <a:fld id="{05B1B184-8162-40A9-BCCC-182276235E4C}" type="datetimeFigureOut">
               <a:rPr lang="es-MX" smtClean="0"/>
-              <a:t>06/10/2019</a:t>
+              <a:t>10/10/2019</a:t>
             </a:fld>
             <a:endParaRPr lang="es-MX"/>
           </a:p>
@@ -1703,7 +1703,7 @@
           <a:p>
             <a:fld id="{05B1B184-8162-40A9-BCCC-182276235E4C}" type="datetimeFigureOut">
               <a:rPr lang="es-MX" smtClean="0"/>
-              <a:t>06/10/2019</a:t>
+              <a:t>10/10/2019</a:t>
             </a:fld>
             <a:endParaRPr lang="es-MX"/>
           </a:p>
@@ -1873,7 +1873,7 @@
           <a:p>
             <a:fld id="{05B1B184-8162-40A9-BCCC-182276235E4C}" type="datetimeFigureOut">
               <a:rPr lang="es-MX" smtClean="0"/>
-              <a:t>06/10/2019</a:t>
+              <a:t>10/10/2019</a:t>
             </a:fld>
             <a:endParaRPr lang="es-MX"/>
           </a:p>
@@ -2119,7 +2119,7 @@
           <a:p>
             <a:fld id="{05B1B184-8162-40A9-BCCC-182276235E4C}" type="datetimeFigureOut">
               <a:rPr lang="es-MX" smtClean="0"/>
-              <a:t>06/10/2019</a:t>
+              <a:t>10/10/2019</a:t>
             </a:fld>
             <a:endParaRPr lang="es-MX"/>
           </a:p>
@@ -2407,7 +2407,7 @@
           <a:p>
             <a:fld id="{05B1B184-8162-40A9-BCCC-182276235E4C}" type="datetimeFigureOut">
               <a:rPr lang="es-MX" smtClean="0"/>
-              <a:t>06/10/2019</a:t>
+              <a:t>10/10/2019</a:t>
             </a:fld>
             <a:endParaRPr lang="es-MX"/>
           </a:p>
@@ -2829,7 +2829,7 @@
           <a:p>
             <a:fld id="{05B1B184-8162-40A9-BCCC-182276235E4C}" type="datetimeFigureOut">
               <a:rPr lang="es-MX" smtClean="0"/>
-              <a:t>06/10/2019</a:t>
+              <a:t>10/10/2019</a:t>
             </a:fld>
             <a:endParaRPr lang="es-MX"/>
           </a:p>
@@ -2947,7 +2947,7 @@
           <a:p>
             <a:fld id="{05B1B184-8162-40A9-BCCC-182276235E4C}" type="datetimeFigureOut">
               <a:rPr lang="es-MX" smtClean="0"/>
-              <a:t>06/10/2019</a:t>
+              <a:t>10/10/2019</a:t>
             </a:fld>
             <a:endParaRPr lang="es-MX"/>
           </a:p>
@@ -3042,7 +3042,7 @@
           <a:p>
             <a:fld id="{05B1B184-8162-40A9-BCCC-182276235E4C}" type="datetimeFigureOut">
               <a:rPr lang="es-MX" smtClean="0"/>
-              <a:t>06/10/2019</a:t>
+              <a:t>10/10/2019</a:t>
             </a:fld>
             <a:endParaRPr lang="es-MX"/>
           </a:p>
@@ -3319,7 +3319,7 @@
           <a:p>
             <a:fld id="{05B1B184-8162-40A9-BCCC-182276235E4C}" type="datetimeFigureOut">
               <a:rPr lang="es-MX" smtClean="0"/>
-              <a:t>06/10/2019</a:t>
+              <a:t>10/10/2019</a:t>
             </a:fld>
             <a:endParaRPr lang="es-MX"/>
           </a:p>
@@ -3572,7 +3572,7 @@
           <a:p>
             <a:fld id="{05B1B184-8162-40A9-BCCC-182276235E4C}" type="datetimeFigureOut">
               <a:rPr lang="es-MX" smtClean="0"/>
-              <a:t>06/10/2019</a:t>
+              <a:t>10/10/2019</a:t>
             </a:fld>
             <a:endParaRPr lang="es-MX"/>
           </a:p>
@@ -3785,7 +3785,7 @@
           <a:p>
             <a:fld id="{05B1B184-8162-40A9-BCCC-182276235E4C}" type="datetimeFigureOut">
               <a:rPr lang="es-MX" smtClean="0"/>
-              <a:t>06/10/2019</a:t>
+              <a:t>10/10/2019</a:t>
             </a:fld>
             <a:endParaRPr lang="es-MX"/>
           </a:p>
@@ -4211,7 +4211,7 @@
                   </a:schemeClr>
                 </a:solidFill>
               </a:rPr>
-              <a:t>Tecnológico de Monterrey, Campus Querétaro</a:t>
+              <a:t>Tecnológico de Monterrey</a:t>
             </a:r>
           </a:p>
         </p:txBody>
